--- a/master_files/materials/04_simple_DES.pptx
+++ b/master_files/materials/04_simple_DES.pptx
@@ -4572,31 +4572,6 @@
           <a:chExt cx="0" cy="0"/>
         </a:xfrm>
       </p:grpSpPr>
-      <p:sp>
-        <p:nvSpPr>
-          <p:cNvPr id="4" name="Title 3">
-            <a:extLst>
-              <a:ext uri="{FF2B5EF4-FFF2-40B4-BE49-F238E27FC236}">
-                <a16:creationId xmlns:a16="http://schemas.microsoft.com/office/drawing/2014/main" id="{4797094A-3FDD-99F9-60F0-FCDE3CF49325}"/>
-              </a:ext>
-            </a:extLst>
-          </p:cNvPr>
-          <p:cNvSpPr>
-            <a:spLocks noGrp="1"/>
-          </p:cNvSpPr>
-          <p:nvPr>
-            <p:ph type="title"/>
-          </p:nvPr>
-        </p:nvSpPr>
-        <p:spPr/>
-        <p:txBody>
-          <a:bodyPr/>
-          <a:lstStyle/>
-          <a:p>
-            <a:endParaRPr lang="en-US" dirty="0"/>
-          </a:p>
-        </p:txBody>
-      </p:sp>
       <p:pic>
         <p:nvPicPr>
           <p:cNvPr id="7" name="Content Placeholder 19">
@@ -4655,6 +4630,31 @@
           </a:xfrm>
         </p:spPr>
       </p:pic>
+      <p:sp>
+        <p:nvSpPr>
+          <p:cNvPr id="10" name="Title 9">
+            <a:extLst>
+              <a:ext uri="{FF2B5EF4-FFF2-40B4-BE49-F238E27FC236}">
+                <a16:creationId xmlns:a16="http://schemas.microsoft.com/office/drawing/2014/main" id="{480C3375-BCC5-F68D-588C-33BE175546F9}"/>
+              </a:ext>
+            </a:extLst>
+          </p:cNvPr>
+          <p:cNvSpPr>
+            <a:spLocks noGrp="1"/>
+          </p:cNvSpPr>
+          <p:nvPr>
+            <p:ph type="title"/>
+          </p:nvPr>
+        </p:nvSpPr>
+        <p:spPr/>
+        <p:txBody>
+          <a:bodyPr/>
+          <a:lstStyle/>
+          <a:p>
+            <a:endParaRPr lang="en-US"/>
+          </a:p>
+        </p:txBody>
+      </p:sp>
     </p:spTree>
     <p:extLst>
       <p:ext uri="{BB962C8B-B14F-4D97-AF65-F5344CB8AC3E}">
